--- a/constructors.pptx
+++ b/constructors.pptx
@@ -11,6 +11,12 @@
     <p:sldId id="259" r:id="rId5"/>
     <p:sldId id="260" r:id="rId6"/>
     <p:sldId id="261" r:id="rId7"/>
+    <p:sldId id="263" r:id="rId8"/>
+    <p:sldId id="262" r:id="rId9"/>
+    <p:sldId id="264" r:id="rId10"/>
+    <p:sldId id="265" r:id="rId11"/>
+    <p:sldId id="266" r:id="rId12"/>
+    <p:sldId id="267" r:id="rId13"/>
   </p:sldIdLst>
   <p:sldSz cx="12192000" cy="6858000"/>
   <p:notesSz cx="6858000" cy="9144000"/>
@@ -109,6 +115,11 @@
       </a:defRPr>
     </a:lvl9pPr>
   </p:defaultTextStyle>
+  <p:extLst>
+    <p:ext uri="{EFAFB233-063F-42B5-8137-9DF3F51BA10A}">
+      <p15:sldGuideLst xmlns:p15="http://schemas.microsoft.com/office/powerpoint/2012/main"/>
+    </p:ext>
+  </p:extLst>
 </p:presentation>
 </file>
 
@@ -259,7 +270,7 @@
           <a:p>
             <a:fld id="{0BB78094-470B-4771-8C86-F75919ACF16D}" type="datetimeFigureOut">
               <a:rPr lang="en-US" smtClean="0"/>
-              <a:t>10/2/2020</a:t>
+              <a:t>10/4/2020</a:t>
             </a:fld>
             <a:endParaRPr lang="en-US"/>
           </a:p>
@@ -457,7 +468,7 @@
           <a:p>
             <a:fld id="{0BB78094-470B-4771-8C86-F75919ACF16D}" type="datetimeFigureOut">
               <a:rPr lang="en-US" smtClean="0"/>
-              <a:t>10/2/2020</a:t>
+              <a:t>10/4/2020</a:t>
             </a:fld>
             <a:endParaRPr lang="en-US"/>
           </a:p>
@@ -665,7 +676,7 @@
           <a:p>
             <a:fld id="{0BB78094-470B-4771-8C86-F75919ACF16D}" type="datetimeFigureOut">
               <a:rPr lang="en-US" smtClean="0"/>
-              <a:t>10/2/2020</a:t>
+              <a:t>10/4/2020</a:t>
             </a:fld>
             <a:endParaRPr lang="en-US"/>
           </a:p>
@@ -863,7 +874,7 @@
           <a:p>
             <a:fld id="{0BB78094-470B-4771-8C86-F75919ACF16D}" type="datetimeFigureOut">
               <a:rPr lang="en-US" smtClean="0"/>
-              <a:t>10/2/2020</a:t>
+              <a:t>10/4/2020</a:t>
             </a:fld>
             <a:endParaRPr lang="en-US"/>
           </a:p>
@@ -1138,7 +1149,7 @@
           <a:p>
             <a:fld id="{0BB78094-470B-4771-8C86-F75919ACF16D}" type="datetimeFigureOut">
               <a:rPr lang="en-US" smtClean="0"/>
-              <a:t>10/2/2020</a:t>
+              <a:t>10/4/2020</a:t>
             </a:fld>
             <a:endParaRPr lang="en-US"/>
           </a:p>
@@ -1403,7 +1414,7 @@
           <a:p>
             <a:fld id="{0BB78094-470B-4771-8C86-F75919ACF16D}" type="datetimeFigureOut">
               <a:rPr lang="en-US" smtClean="0"/>
-              <a:t>10/2/2020</a:t>
+              <a:t>10/4/2020</a:t>
             </a:fld>
             <a:endParaRPr lang="en-US"/>
           </a:p>
@@ -1815,7 +1826,7 @@
           <a:p>
             <a:fld id="{0BB78094-470B-4771-8C86-F75919ACF16D}" type="datetimeFigureOut">
               <a:rPr lang="en-US" smtClean="0"/>
-              <a:t>10/2/2020</a:t>
+              <a:t>10/4/2020</a:t>
             </a:fld>
             <a:endParaRPr lang="en-US"/>
           </a:p>
@@ -1956,7 +1967,7 @@
           <a:p>
             <a:fld id="{0BB78094-470B-4771-8C86-F75919ACF16D}" type="datetimeFigureOut">
               <a:rPr lang="en-US" smtClean="0"/>
-              <a:t>10/2/2020</a:t>
+              <a:t>10/4/2020</a:t>
             </a:fld>
             <a:endParaRPr lang="en-US"/>
           </a:p>
@@ -2069,7 +2080,7 @@
           <a:p>
             <a:fld id="{0BB78094-470B-4771-8C86-F75919ACF16D}" type="datetimeFigureOut">
               <a:rPr lang="en-US" smtClean="0"/>
-              <a:t>10/2/2020</a:t>
+              <a:t>10/4/2020</a:t>
             </a:fld>
             <a:endParaRPr lang="en-US"/>
           </a:p>
@@ -2380,7 +2391,7 @@
           <a:p>
             <a:fld id="{0BB78094-470B-4771-8C86-F75919ACF16D}" type="datetimeFigureOut">
               <a:rPr lang="en-US" smtClean="0"/>
-              <a:t>10/2/2020</a:t>
+              <a:t>10/4/2020</a:t>
             </a:fld>
             <a:endParaRPr lang="en-US"/>
           </a:p>
@@ -2668,7 +2679,7 @@
           <a:p>
             <a:fld id="{0BB78094-470B-4771-8C86-F75919ACF16D}" type="datetimeFigureOut">
               <a:rPr lang="en-US" smtClean="0"/>
-              <a:t>10/2/2020</a:t>
+              <a:t>10/4/2020</a:t>
             </a:fld>
             <a:endParaRPr lang="en-US"/>
           </a:p>
@@ -2909,7 +2920,7 @@
           <a:p>
             <a:fld id="{0BB78094-470B-4771-8C86-F75919ACF16D}" type="datetimeFigureOut">
               <a:rPr lang="en-US" smtClean="0"/>
-              <a:t>10/2/2020</a:t>
+              <a:t>10/4/2020</a:t>
             </a:fld>
             <a:endParaRPr lang="en-US"/>
           </a:p>
@@ -3367,6 +3378,397 @@
 </p:sld>
 </file>
 
+<file path=ppt/slides/slide10.xml><?xml version="1.0" encoding="utf-8"?>
+<p:sld xmlns:a="http://schemas.openxmlformats.org/drawingml/2006/main" xmlns:r="http://schemas.openxmlformats.org/officeDocument/2006/relationships" xmlns:p="http://schemas.openxmlformats.org/presentationml/2006/main">
+  <p:cSld>
+    <p:spTree>
+      <p:nvGrpSpPr>
+        <p:cNvPr id="1" name=""/>
+        <p:cNvGrpSpPr/>
+        <p:nvPr/>
+      </p:nvGrpSpPr>
+      <p:grpSpPr>
+        <a:xfrm>
+          <a:off x="0" y="0"/>
+          <a:ext cx="0" cy="0"/>
+          <a:chOff x="0" y="0"/>
+          <a:chExt cx="0" cy="0"/>
+        </a:xfrm>
+      </p:grpSpPr>
+      <p:sp>
+        <p:nvSpPr>
+          <p:cNvPr id="2" name="Title 1">
+            <a:extLst>
+              <a:ext uri="{FF2B5EF4-FFF2-40B4-BE49-F238E27FC236}">
+                <a16:creationId xmlns:a16="http://schemas.microsoft.com/office/drawing/2014/main" id="{9C6EB487-B96F-4CE1-850C-39EC8705F0C2}"/>
+              </a:ext>
+            </a:extLst>
+          </p:cNvPr>
+          <p:cNvSpPr>
+            <a:spLocks noGrp="1"/>
+          </p:cNvSpPr>
+          <p:nvPr>
+            <p:ph type="title"/>
+          </p:nvPr>
+        </p:nvSpPr>
+        <p:spPr/>
+        <p:txBody>
+          <a:bodyPr/>
+          <a:lstStyle/>
+          <a:p>
+            <a:r>
+              <a:rPr lang="en-US" dirty="0"/>
+              <a:t>Using this with method</a:t>
+            </a:r>
+          </a:p>
+        </p:txBody>
+      </p:sp>
+      <p:sp>
+        <p:nvSpPr>
+          <p:cNvPr id="3" name="Content Placeholder 2">
+            <a:extLst>
+              <a:ext uri="{FF2B5EF4-FFF2-40B4-BE49-F238E27FC236}">
+                <a16:creationId xmlns:a16="http://schemas.microsoft.com/office/drawing/2014/main" id="{7D6C4C01-B5ED-4EBB-B80B-B177C2DA1A4C}"/>
+              </a:ext>
+            </a:extLst>
+          </p:cNvPr>
+          <p:cNvSpPr>
+            <a:spLocks noGrp="1"/>
+          </p:cNvSpPr>
+          <p:nvPr>
+            <p:ph idx="1"/>
+          </p:nvPr>
+        </p:nvSpPr>
+        <p:spPr/>
+        <p:txBody>
+          <a:bodyPr>
+            <a:normAutofit fontScale="77500" lnSpcReduction="20000"/>
+          </a:bodyPr>
+          <a:lstStyle/>
+          <a:p>
+            <a:r>
+              <a:rPr lang="en-US" dirty="0"/>
+              <a:t>class Test</a:t>
+            </a:r>
+          </a:p>
+          <a:p>
+            <a:r>
+              <a:rPr lang="en-US" dirty="0"/>
+              <a:t>{</a:t>
+            </a:r>
+          </a:p>
+          <a:p>
+            <a:r>
+              <a:rPr lang="en-US" dirty="0"/>
+              <a:t>  int </a:t>
+            </a:r>
+            <a:r>
+              <a:rPr lang="en-US" dirty="0" err="1"/>
+              <a:t>i</a:t>
+            </a:r>
+            <a:r>
+              <a:rPr lang="en-US" dirty="0"/>
+              <a:t>;</a:t>
+            </a:r>
+          </a:p>
+          <a:p>
+            <a:r>
+              <a:rPr lang="en-US" b="1" dirty="0"/>
+              <a:t>  public Test(int </a:t>
+            </a:r>
+            <a:r>
+              <a:rPr lang="en-US" b="1" dirty="0" err="1"/>
+              <a:t>i</a:t>
+            </a:r>
+            <a:r>
+              <a:rPr lang="en-US" b="1" dirty="0"/>
+              <a:t>) // 1 param constructor</a:t>
+            </a:r>
+          </a:p>
+          <a:p>
+            <a:r>
+              <a:rPr lang="en-US" b="1" dirty="0"/>
+              <a:t>   {</a:t>
+            </a:r>
+          </a:p>
+          <a:p>
+            <a:r>
+              <a:rPr lang="en-US" b="1" dirty="0"/>
+              <a:t>       </a:t>
+            </a:r>
+            <a:r>
+              <a:rPr lang="en-US" b="1" dirty="0" err="1"/>
+              <a:t>this.i</a:t>
+            </a:r>
+            <a:r>
+              <a:rPr lang="en-US" b="1" dirty="0"/>
+              <a:t> = </a:t>
+            </a:r>
+            <a:r>
+              <a:rPr lang="en-US" b="1" dirty="0" err="1"/>
+              <a:t>i</a:t>
+            </a:r>
+            <a:r>
+              <a:rPr lang="en-US" b="1" dirty="0"/>
+              <a:t>;</a:t>
+            </a:r>
+          </a:p>
+          <a:p>
+            <a:r>
+              <a:rPr lang="en-US" b="1" dirty="0"/>
+              <a:t>       this.m1();</a:t>
+            </a:r>
+          </a:p>
+          <a:p>
+            <a:r>
+              <a:rPr lang="en-US" b="1" dirty="0"/>
+              <a:t>   }</a:t>
+            </a:r>
+          </a:p>
+          <a:p>
+            <a:endParaRPr lang="en-US" b="1" dirty="0"/>
+          </a:p>
+          <a:p>
+            <a:r>
+              <a:rPr lang="en-US" b="1" dirty="0"/>
+              <a:t>   public void m1(){ statements;}</a:t>
+            </a:r>
+          </a:p>
+          <a:p>
+            <a:pPr marL="0" indent="0">
+              <a:buNone/>
+            </a:pPr>
+            <a:endParaRPr lang="en-US" b="1" dirty="0"/>
+          </a:p>
+          <a:p>
+            <a:r>
+              <a:rPr lang="en-US" dirty="0"/>
+              <a:t>}</a:t>
+            </a:r>
+          </a:p>
+          <a:p>
+            <a:endParaRPr lang="en-US" dirty="0"/>
+          </a:p>
+          <a:p>
+            <a:endParaRPr lang="en-US" dirty="0"/>
+          </a:p>
+        </p:txBody>
+      </p:sp>
+    </p:spTree>
+    <p:extLst>
+      <p:ext uri="{BB962C8B-B14F-4D97-AF65-F5344CB8AC3E}">
+        <p14:creationId xmlns:p14="http://schemas.microsoft.com/office/powerpoint/2010/main" val="2980057571"/>
+      </p:ext>
+    </p:extLst>
+  </p:cSld>
+  <p:clrMapOvr>
+    <a:masterClrMapping/>
+  </p:clrMapOvr>
+</p:sld>
+</file>
+
+<file path=ppt/slides/slide11.xml><?xml version="1.0" encoding="utf-8"?>
+<p:sld xmlns:a="http://schemas.openxmlformats.org/drawingml/2006/main" xmlns:r="http://schemas.openxmlformats.org/officeDocument/2006/relationships" xmlns:p="http://schemas.openxmlformats.org/presentationml/2006/main">
+  <p:cSld>
+    <p:spTree>
+      <p:nvGrpSpPr>
+        <p:cNvPr id="1" name=""/>
+        <p:cNvGrpSpPr/>
+        <p:nvPr/>
+      </p:nvGrpSpPr>
+      <p:grpSpPr>
+        <a:xfrm>
+          <a:off x="0" y="0"/>
+          <a:ext cx="0" cy="0"/>
+          <a:chOff x="0" y="0"/>
+          <a:chExt cx="0" cy="0"/>
+        </a:xfrm>
+      </p:grpSpPr>
+      <p:sp>
+        <p:nvSpPr>
+          <p:cNvPr id="2" name="Title 1">
+            <a:extLst>
+              <a:ext uri="{FF2B5EF4-FFF2-40B4-BE49-F238E27FC236}">
+                <a16:creationId xmlns:a16="http://schemas.microsoft.com/office/drawing/2014/main" id="{A6641753-7C30-42CD-8F8A-FC11B7AA6DB0}"/>
+              </a:ext>
+            </a:extLst>
+          </p:cNvPr>
+          <p:cNvSpPr>
+            <a:spLocks noGrp="1"/>
+          </p:cNvSpPr>
+          <p:nvPr>
+            <p:ph type="title"/>
+          </p:nvPr>
+        </p:nvSpPr>
+        <p:spPr/>
+        <p:txBody>
+          <a:bodyPr/>
+          <a:lstStyle/>
+          <a:p>
+            <a:r>
+              <a:rPr lang="en-US" dirty="0"/>
+              <a:t>Using this with non-static field &amp; method from a non-static block</a:t>
+            </a:r>
+          </a:p>
+        </p:txBody>
+      </p:sp>
+      <p:sp>
+        <p:nvSpPr>
+          <p:cNvPr id="3" name="Content Placeholder 2">
+            <a:extLst>
+              <a:ext uri="{FF2B5EF4-FFF2-40B4-BE49-F238E27FC236}">
+                <a16:creationId xmlns:a16="http://schemas.microsoft.com/office/drawing/2014/main" id="{C596C1CB-97D7-4C0C-8949-2AB1473FAE28}"/>
+              </a:ext>
+            </a:extLst>
+          </p:cNvPr>
+          <p:cNvSpPr>
+            <a:spLocks noGrp="1"/>
+          </p:cNvSpPr>
+          <p:nvPr>
+            <p:ph idx="1"/>
+          </p:nvPr>
+        </p:nvSpPr>
+        <p:spPr/>
+        <p:txBody>
+          <a:bodyPr/>
+          <a:lstStyle/>
+          <a:p>
+            <a:r>
+              <a:rPr lang="en-US" dirty="0"/>
+              <a:t>Do yourself</a:t>
+            </a:r>
+          </a:p>
+          <a:p>
+            <a:r>
+              <a:rPr lang="en-US" dirty="0"/>
+              <a:t>Define a non-static block.</a:t>
+            </a:r>
+          </a:p>
+          <a:p>
+            <a:r>
+              <a:rPr lang="en-US" dirty="0"/>
+              <a:t>Try to access a non-static field from non-static block.</a:t>
+            </a:r>
+          </a:p>
+          <a:p>
+            <a:r>
+              <a:rPr lang="en-US" dirty="0"/>
+              <a:t>Try to access a non-static method from non-static block.</a:t>
+            </a:r>
+          </a:p>
+        </p:txBody>
+      </p:sp>
+    </p:spTree>
+    <p:extLst>
+      <p:ext uri="{BB962C8B-B14F-4D97-AF65-F5344CB8AC3E}">
+        <p14:creationId xmlns:p14="http://schemas.microsoft.com/office/powerpoint/2010/main" val="16497893"/>
+      </p:ext>
+    </p:extLst>
+  </p:cSld>
+  <p:clrMapOvr>
+    <a:masterClrMapping/>
+  </p:clrMapOvr>
+</p:sld>
+</file>
+
+<file path=ppt/slides/slide12.xml><?xml version="1.0" encoding="utf-8"?>
+<p:sld xmlns:a="http://schemas.openxmlformats.org/drawingml/2006/main" xmlns:r="http://schemas.openxmlformats.org/officeDocument/2006/relationships" xmlns:p="http://schemas.openxmlformats.org/presentationml/2006/main">
+  <p:cSld>
+    <p:spTree>
+      <p:nvGrpSpPr>
+        <p:cNvPr id="1" name=""/>
+        <p:cNvGrpSpPr/>
+        <p:nvPr/>
+      </p:nvGrpSpPr>
+      <p:grpSpPr>
+        <a:xfrm>
+          <a:off x="0" y="0"/>
+          <a:ext cx="0" cy="0"/>
+          <a:chOff x="0" y="0"/>
+          <a:chExt cx="0" cy="0"/>
+        </a:xfrm>
+      </p:grpSpPr>
+      <p:sp>
+        <p:nvSpPr>
+          <p:cNvPr id="2" name="Title 1">
+            <a:extLst>
+              <a:ext uri="{FF2B5EF4-FFF2-40B4-BE49-F238E27FC236}">
+                <a16:creationId xmlns:a16="http://schemas.microsoft.com/office/drawing/2014/main" id="{FC3B5338-AB7F-4DF9-88F0-446D09C79022}"/>
+              </a:ext>
+            </a:extLst>
+          </p:cNvPr>
+          <p:cNvSpPr>
+            <a:spLocks noGrp="1"/>
+          </p:cNvSpPr>
+          <p:nvPr>
+            <p:ph type="title"/>
+          </p:nvPr>
+        </p:nvSpPr>
+        <p:spPr/>
+        <p:txBody>
+          <a:bodyPr/>
+          <a:lstStyle/>
+          <a:p>
+            <a:r>
+              <a:rPr lang="en-US" dirty="0"/>
+              <a:t>Using this to invoke another non-static method from a non-static method</a:t>
+            </a:r>
+          </a:p>
+        </p:txBody>
+      </p:sp>
+      <p:sp>
+        <p:nvSpPr>
+          <p:cNvPr id="3" name="Content Placeholder 2">
+            <a:extLst>
+              <a:ext uri="{FF2B5EF4-FFF2-40B4-BE49-F238E27FC236}">
+                <a16:creationId xmlns:a16="http://schemas.microsoft.com/office/drawing/2014/main" id="{6589AFC8-D3CB-4BDF-AD3D-0A80C9112F5E}"/>
+              </a:ext>
+            </a:extLst>
+          </p:cNvPr>
+          <p:cNvSpPr>
+            <a:spLocks noGrp="1"/>
+          </p:cNvSpPr>
+          <p:nvPr>
+            <p:ph idx="1"/>
+          </p:nvPr>
+        </p:nvSpPr>
+        <p:spPr/>
+        <p:txBody>
+          <a:bodyPr/>
+          <a:lstStyle/>
+          <a:p>
+            <a:r>
+              <a:rPr lang="en-US" dirty="0"/>
+              <a:t>Try yourself</a:t>
+            </a:r>
+          </a:p>
+          <a:p>
+            <a:r>
+              <a:rPr lang="en-US" dirty="0"/>
+              <a:t>Define 2 non-static method.</a:t>
+            </a:r>
+          </a:p>
+          <a:p>
+            <a:r>
+              <a:rPr lang="en-US" dirty="0"/>
+              <a:t>Access them using this</a:t>
+            </a:r>
+          </a:p>
+        </p:txBody>
+      </p:sp>
+    </p:spTree>
+    <p:extLst>
+      <p:ext uri="{BB962C8B-B14F-4D97-AF65-F5344CB8AC3E}">
+        <p14:creationId xmlns:p14="http://schemas.microsoft.com/office/powerpoint/2010/main" val="3391561795"/>
+      </p:ext>
+    </p:extLst>
+  </p:cSld>
+  <p:clrMapOvr>
+    <a:masterClrMapping/>
+  </p:clrMapOvr>
+</p:sld>
+</file>
+
 <file path=ppt/slides/slide2.xml><?xml version="1.0" encoding="utf-8"?>
 <p:sld xmlns:a="http://schemas.openxmlformats.org/drawingml/2006/main" xmlns:r="http://schemas.openxmlformats.org/officeDocument/2006/relationships" xmlns:p="http://schemas.openxmlformats.org/presentationml/2006/main">
   <p:cSld>
@@ -3902,6 +4304,339 @@
     <p:extLst>
       <p:ext uri="{BB962C8B-B14F-4D97-AF65-F5344CB8AC3E}">
         <p14:creationId xmlns:p14="http://schemas.microsoft.com/office/powerpoint/2010/main" val="4042632881"/>
+      </p:ext>
+    </p:extLst>
+  </p:cSld>
+  <p:clrMapOvr>
+    <a:masterClrMapping/>
+  </p:clrMapOvr>
+</p:sld>
+</file>
+
+<file path=ppt/slides/slide7.xml><?xml version="1.0" encoding="utf-8"?>
+<p:sld xmlns:a="http://schemas.openxmlformats.org/drawingml/2006/main" xmlns:r="http://schemas.openxmlformats.org/officeDocument/2006/relationships" xmlns:p="http://schemas.openxmlformats.org/presentationml/2006/main">
+  <p:cSld>
+    <p:spTree>
+      <p:nvGrpSpPr>
+        <p:cNvPr id="1" name=""/>
+        <p:cNvGrpSpPr/>
+        <p:nvPr/>
+      </p:nvGrpSpPr>
+      <p:grpSpPr>
+        <a:xfrm>
+          <a:off x="0" y="0"/>
+          <a:ext cx="0" cy="0"/>
+          <a:chOff x="0" y="0"/>
+          <a:chExt cx="0" cy="0"/>
+        </a:xfrm>
+      </p:grpSpPr>
+      <p:sp>
+        <p:nvSpPr>
+          <p:cNvPr id="2" name="Title 1">
+            <a:extLst>
+              <a:ext uri="{FF2B5EF4-FFF2-40B4-BE49-F238E27FC236}">
+                <a16:creationId xmlns:a16="http://schemas.microsoft.com/office/drawing/2014/main" id="{1F62B824-1D89-4527-9516-826475FE4E70}"/>
+              </a:ext>
+            </a:extLst>
+          </p:cNvPr>
+          <p:cNvSpPr>
+            <a:spLocks noGrp="1"/>
+          </p:cNvSpPr>
+          <p:nvPr>
+            <p:ph type="title"/>
+          </p:nvPr>
+        </p:nvSpPr>
+        <p:spPr/>
+        <p:txBody>
+          <a:bodyPr/>
+          <a:lstStyle/>
+          <a:p>
+            <a:r>
+              <a:rPr lang="en-US" dirty="0"/>
+              <a:t>Using this keyword</a:t>
+            </a:r>
+          </a:p>
+        </p:txBody>
+      </p:sp>
+    </p:spTree>
+    <p:extLst>
+      <p:ext uri="{BB962C8B-B14F-4D97-AF65-F5344CB8AC3E}">
+        <p14:creationId xmlns:p14="http://schemas.microsoft.com/office/powerpoint/2010/main" val="1303569333"/>
+      </p:ext>
+    </p:extLst>
+  </p:cSld>
+  <p:clrMapOvr>
+    <a:masterClrMapping/>
+  </p:clrMapOvr>
+</p:sld>
+</file>
+
+<file path=ppt/slides/slide8.xml><?xml version="1.0" encoding="utf-8"?>
+<p:sld xmlns:a="http://schemas.openxmlformats.org/drawingml/2006/main" xmlns:r="http://schemas.openxmlformats.org/officeDocument/2006/relationships" xmlns:p="http://schemas.openxmlformats.org/presentationml/2006/main">
+  <p:cSld>
+    <p:spTree>
+      <p:nvGrpSpPr>
+        <p:cNvPr id="1" name=""/>
+        <p:cNvGrpSpPr/>
+        <p:nvPr/>
+      </p:nvGrpSpPr>
+      <p:grpSpPr>
+        <a:xfrm>
+          <a:off x="0" y="0"/>
+          <a:ext cx="0" cy="0"/>
+          <a:chOff x="0" y="0"/>
+          <a:chExt cx="0" cy="0"/>
+        </a:xfrm>
+      </p:grpSpPr>
+      <p:sp>
+        <p:nvSpPr>
+          <p:cNvPr id="2" name="Title 1">
+            <a:extLst>
+              <a:ext uri="{FF2B5EF4-FFF2-40B4-BE49-F238E27FC236}">
+                <a16:creationId xmlns:a16="http://schemas.microsoft.com/office/drawing/2014/main" id="{93F368C2-F482-46EE-A0C3-9C76685CC4FB}"/>
+              </a:ext>
+            </a:extLst>
+          </p:cNvPr>
+          <p:cNvSpPr>
+            <a:spLocks noGrp="1"/>
+          </p:cNvSpPr>
+          <p:nvPr>
+            <p:ph type="title"/>
+          </p:nvPr>
+        </p:nvSpPr>
+        <p:spPr/>
+        <p:txBody>
+          <a:bodyPr/>
+          <a:lstStyle/>
+          <a:p>
+            <a:r>
+              <a:rPr lang="en-US" dirty="0"/>
+              <a:t>Using this to access fields &amp; methods of a class</a:t>
+            </a:r>
+          </a:p>
+        </p:txBody>
+      </p:sp>
+      <p:sp>
+        <p:nvSpPr>
+          <p:cNvPr id="3" name="Content Placeholder 2">
+            <a:extLst>
+              <a:ext uri="{FF2B5EF4-FFF2-40B4-BE49-F238E27FC236}">
+                <a16:creationId xmlns:a16="http://schemas.microsoft.com/office/drawing/2014/main" id="{D199671F-DC46-4CFA-A92F-4908DB82938A}"/>
+              </a:ext>
+            </a:extLst>
+          </p:cNvPr>
+          <p:cNvSpPr>
+            <a:spLocks noGrp="1"/>
+          </p:cNvSpPr>
+          <p:nvPr>
+            <p:ph idx="1"/>
+          </p:nvPr>
+        </p:nvSpPr>
+        <p:spPr/>
+        <p:txBody>
+          <a:bodyPr/>
+          <a:lstStyle/>
+          <a:p>
+            <a:r>
+              <a:rPr lang="en-US" dirty="0"/>
+              <a:t>The keyword this </a:t>
+            </a:r>
+            <a:r>
+              <a:rPr lang="en-US" b="1" dirty="0"/>
+              <a:t>cant be used inside static area</a:t>
+            </a:r>
+            <a:r>
+              <a:rPr lang="en-US" dirty="0"/>
+              <a:t>.</a:t>
+            </a:r>
+          </a:p>
+          <a:p>
+            <a:r>
+              <a:rPr lang="en-US" dirty="0"/>
+              <a:t>Always use this inside a constructor, non-static method, non-static block.</a:t>
+            </a:r>
+          </a:p>
+          <a:p>
+            <a:r>
+              <a:rPr lang="en-US" dirty="0"/>
+              <a:t>The keyword this can access the fields (non-static) &amp; methods (non-static)</a:t>
+            </a:r>
+          </a:p>
+          <a:p>
+            <a:r>
+              <a:rPr lang="en-US" dirty="0"/>
+              <a:t>The keyword this represents the current object in the execution.</a:t>
+            </a:r>
+          </a:p>
+        </p:txBody>
+      </p:sp>
+    </p:spTree>
+    <p:extLst>
+      <p:ext uri="{BB962C8B-B14F-4D97-AF65-F5344CB8AC3E}">
+        <p14:creationId xmlns:p14="http://schemas.microsoft.com/office/powerpoint/2010/main" val="2005901590"/>
+      </p:ext>
+    </p:extLst>
+  </p:cSld>
+  <p:clrMapOvr>
+    <a:masterClrMapping/>
+  </p:clrMapOvr>
+</p:sld>
+</file>
+
+<file path=ppt/slides/slide9.xml><?xml version="1.0" encoding="utf-8"?>
+<p:sld xmlns:a="http://schemas.openxmlformats.org/drawingml/2006/main" xmlns:r="http://schemas.openxmlformats.org/officeDocument/2006/relationships" xmlns:p="http://schemas.openxmlformats.org/presentationml/2006/main">
+  <p:cSld>
+    <p:spTree>
+      <p:nvGrpSpPr>
+        <p:cNvPr id="1" name=""/>
+        <p:cNvGrpSpPr/>
+        <p:nvPr/>
+      </p:nvGrpSpPr>
+      <p:grpSpPr>
+        <a:xfrm>
+          <a:off x="0" y="0"/>
+          <a:ext cx="0" cy="0"/>
+          <a:chOff x="0" y="0"/>
+          <a:chExt cx="0" cy="0"/>
+        </a:xfrm>
+      </p:grpSpPr>
+      <p:sp>
+        <p:nvSpPr>
+          <p:cNvPr id="2" name="Title 1">
+            <a:extLst>
+              <a:ext uri="{FF2B5EF4-FFF2-40B4-BE49-F238E27FC236}">
+                <a16:creationId xmlns:a16="http://schemas.microsoft.com/office/drawing/2014/main" id="{7D366F4A-313A-4180-9B54-DC29F33F16ED}"/>
+              </a:ext>
+            </a:extLst>
+          </p:cNvPr>
+          <p:cNvSpPr>
+            <a:spLocks noGrp="1"/>
+          </p:cNvSpPr>
+          <p:nvPr>
+            <p:ph type="title"/>
+          </p:nvPr>
+        </p:nvSpPr>
+        <p:spPr/>
+        <p:txBody>
+          <a:bodyPr/>
+          <a:lstStyle/>
+          <a:p>
+            <a:r>
+              <a:rPr lang="en-US" dirty="0"/>
+              <a:t>Using this with field</a:t>
+            </a:r>
+          </a:p>
+        </p:txBody>
+      </p:sp>
+      <p:sp>
+        <p:nvSpPr>
+          <p:cNvPr id="3" name="Content Placeholder 2">
+            <a:extLst>
+              <a:ext uri="{FF2B5EF4-FFF2-40B4-BE49-F238E27FC236}">
+                <a16:creationId xmlns:a16="http://schemas.microsoft.com/office/drawing/2014/main" id="{F7389AF1-F51B-456E-8CE8-FC92A3937061}"/>
+              </a:ext>
+            </a:extLst>
+          </p:cNvPr>
+          <p:cNvSpPr>
+            <a:spLocks noGrp="1"/>
+          </p:cNvSpPr>
+          <p:nvPr>
+            <p:ph idx="1"/>
+          </p:nvPr>
+        </p:nvSpPr>
+        <p:spPr/>
+        <p:txBody>
+          <a:bodyPr/>
+          <a:lstStyle/>
+          <a:p>
+            <a:r>
+              <a:rPr lang="en-US" dirty="0"/>
+              <a:t>class Test</a:t>
+            </a:r>
+          </a:p>
+          <a:p>
+            <a:r>
+              <a:rPr lang="en-US" dirty="0"/>
+              <a:t>{</a:t>
+            </a:r>
+          </a:p>
+          <a:p>
+            <a:r>
+              <a:rPr lang="en-US" dirty="0"/>
+              <a:t>  int </a:t>
+            </a:r>
+            <a:r>
+              <a:rPr lang="en-US" dirty="0" err="1"/>
+              <a:t>i</a:t>
+            </a:r>
+            <a:r>
+              <a:rPr lang="en-US" dirty="0"/>
+              <a:t>;</a:t>
+            </a:r>
+          </a:p>
+          <a:p>
+            <a:r>
+              <a:rPr lang="en-US" b="1" dirty="0"/>
+              <a:t>  public Test(int </a:t>
+            </a:r>
+            <a:r>
+              <a:rPr lang="en-US" b="1" dirty="0" err="1"/>
+              <a:t>i</a:t>
+            </a:r>
+            <a:r>
+              <a:rPr lang="en-US" b="1" dirty="0"/>
+              <a:t>) // 1 param constructor</a:t>
+            </a:r>
+          </a:p>
+          <a:p>
+            <a:r>
+              <a:rPr lang="en-US" b="1" dirty="0"/>
+              <a:t>   {</a:t>
+            </a:r>
+          </a:p>
+          <a:p>
+            <a:r>
+              <a:rPr lang="en-US" b="1" dirty="0"/>
+              <a:t>       </a:t>
+            </a:r>
+            <a:r>
+              <a:rPr lang="en-US" b="1" dirty="0" err="1"/>
+              <a:t>this.i</a:t>
+            </a:r>
+            <a:r>
+              <a:rPr lang="en-US" b="1" dirty="0"/>
+              <a:t> = </a:t>
+            </a:r>
+            <a:r>
+              <a:rPr lang="en-US" b="1" dirty="0" err="1"/>
+              <a:t>i</a:t>
+            </a:r>
+            <a:r>
+              <a:rPr lang="en-US" b="1" dirty="0"/>
+              <a:t>;</a:t>
+            </a:r>
+          </a:p>
+          <a:p>
+            <a:r>
+              <a:rPr lang="en-US" b="1" dirty="0"/>
+              <a:t>   }</a:t>
+            </a:r>
+          </a:p>
+          <a:p>
+            <a:r>
+              <a:rPr lang="en-US" dirty="0"/>
+              <a:t>}</a:t>
+            </a:r>
+          </a:p>
+          <a:p>
+            <a:endParaRPr lang="en-US" dirty="0"/>
+          </a:p>
+        </p:txBody>
+      </p:sp>
+    </p:spTree>
+    <p:extLst>
+      <p:ext uri="{BB962C8B-B14F-4D97-AF65-F5344CB8AC3E}">
+        <p14:creationId xmlns:p14="http://schemas.microsoft.com/office/powerpoint/2010/main" val="2136955195"/>
       </p:ext>
     </p:extLst>
   </p:cSld>

--- a/constructors.pptx
+++ b/constructors.pptx
@@ -17,6 +17,10 @@
     <p:sldId id="265" r:id="rId11"/>
     <p:sldId id="266" r:id="rId12"/>
     <p:sldId id="267" r:id="rId13"/>
+    <p:sldId id="268" r:id="rId14"/>
+    <p:sldId id="269" r:id="rId15"/>
+    <p:sldId id="270" r:id="rId16"/>
+    <p:sldId id="271" r:id="rId17"/>
   </p:sldIdLst>
   <p:sldSz cx="12192000" cy="6858000"/>
   <p:notesSz cx="6858000" cy="9144000"/>
@@ -270,7 +274,7 @@
           <a:p>
             <a:fld id="{0BB78094-470B-4771-8C86-F75919ACF16D}" type="datetimeFigureOut">
               <a:rPr lang="en-US" smtClean="0"/>
-              <a:t>10/4/2020</a:t>
+              <a:t>10/5/2020</a:t>
             </a:fld>
             <a:endParaRPr lang="en-US"/>
           </a:p>
@@ -468,7 +472,7 @@
           <a:p>
             <a:fld id="{0BB78094-470B-4771-8C86-F75919ACF16D}" type="datetimeFigureOut">
               <a:rPr lang="en-US" smtClean="0"/>
-              <a:t>10/4/2020</a:t>
+              <a:t>10/5/2020</a:t>
             </a:fld>
             <a:endParaRPr lang="en-US"/>
           </a:p>
@@ -676,7 +680,7 @@
           <a:p>
             <a:fld id="{0BB78094-470B-4771-8C86-F75919ACF16D}" type="datetimeFigureOut">
               <a:rPr lang="en-US" smtClean="0"/>
-              <a:t>10/4/2020</a:t>
+              <a:t>10/5/2020</a:t>
             </a:fld>
             <a:endParaRPr lang="en-US"/>
           </a:p>
@@ -874,7 +878,7 @@
           <a:p>
             <a:fld id="{0BB78094-470B-4771-8C86-F75919ACF16D}" type="datetimeFigureOut">
               <a:rPr lang="en-US" smtClean="0"/>
-              <a:t>10/4/2020</a:t>
+              <a:t>10/5/2020</a:t>
             </a:fld>
             <a:endParaRPr lang="en-US"/>
           </a:p>
@@ -1149,7 +1153,7 @@
           <a:p>
             <a:fld id="{0BB78094-470B-4771-8C86-F75919ACF16D}" type="datetimeFigureOut">
               <a:rPr lang="en-US" smtClean="0"/>
-              <a:t>10/4/2020</a:t>
+              <a:t>10/5/2020</a:t>
             </a:fld>
             <a:endParaRPr lang="en-US"/>
           </a:p>
@@ -1414,7 +1418,7 @@
           <a:p>
             <a:fld id="{0BB78094-470B-4771-8C86-F75919ACF16D}" type="datetimeFigureOut">
               <a:rPr lang="en-US" smtClean="0"/>
-              <a:t>10/4/2020</a:t>
+              <a:t>10/5/2020</a:t>
             </a:fld>
             <a:endParaRPr lang="en-US"/>
           </a:p>
@@ -1826,7 +1830,7 @@
           <a:p>
             <a:fld id="{0BB78094-470B-4771-8C86-F75919ACF16D}" type="datetimeFigureOut">
               <a:rPr lang="en-US" smtClean="0"/>
-              <a:t>10/4/2020</a:t>
+              <a:t>10/5/2020</a:t>
             </a:fld>
             <a:endParaRPr lang="en-US"/>
           </a:p>
@@ -1967,7 +1971,7 @@
           <a:p>
             <a:fld id="{0BB78094-470B-4771-8C86-F75919ACF16D}" type="datetimeFigureOut">
               <a:rPr lang="en-US" smtClean="0"/>
-              <a:t>10/4/2020</a:t>
+              <a:t>10/5/2020</a:t>
             </a:fld>
             <a:endParaRPr lang="en-US"/>
           </a:p>
@@ -2080,7 +2084,7 @@
           <a:p>
             <a:fld id="{0BB78094-470B-4771-8C86-F75919ACF16D}" type="datetimeFigureOut">
               <a:rPr lang="en-US" smtClean="0"/>
-              <a:t>10/4/2020</a:t>
+              <a:t>10/5/2020</a:t>
             </a:fld>
             <a:endParaRPr lang="en-US"/>
           </a:p>
@@ -2391,7 +2395,7 @@
           <a:p>
             <a:fld id="{0BB78094-470B-4771-8C86-F75919ACF16D}" type="datetimeFigureOut">
               <a:rPr lang="en-US" smtClean="0"/>
-              <a:t>10/4/2020</a:t>
+              <a:t>10/5/2020</a:t>
             </a:fld>
             <a:endParaRPr lang="en-US"/>
           </a:p>
@@ -2679,7 +2683,7 @@
           <a:p>
             <a:fld id="{0BB78094-470B-4771-8C86-F75919ACF16D}" type="datetimeFigureOut">
               <a:rPr lang="en-US" smtClean="0"/>
-              <a:t>10/4/2020</a:t>
+              <a:t>10/5/2020</a:t>
             </a:fld>
             <a:endParaRPr lang="en-US"/>
           </a:p>
@@ -2920,7 +2924,7 @@
           <a:p>
             <a:fld id="{0BB78094-470B-4771-8C86-F75919ACF16D}" type="datetimeFigureOut">
               <a:rPr lang="en-US" smtClean="0"/>
-              <a:t>10/4/2020</a:t>
+              <a:t>10/5/2020</a:t>
             </a:fld>
             <a:endParaRPr lang="en-US"/>
           </a:p>
@@ -3769,6 +3773,473 @@
 </p:sld>
 </file>
 
+<file path=ppt/slides/slide13.xml><?xml version="1.0" encoding="utf-8"?>
+<p:sld xmlns:a="http://schemas.openxmlformats.org/drawingml/2006/main" xmlns:r="http://schemas.openxmlformats.org/officeDocument/2006/relationships" xmlns:p="http://schemas.openxmlformats.org/presentationml/2006/main">
+  <p:cSld>
+    <p:spTree>
+      <p:nvGrpSpPr>
+        <p:cNvPr id="1" name=""/>
+        <p:cNvGrpSpPr/>
+        <p:nvPr/>
+      </p:nvGrpSpPr>
+      <p:grpSpPr>
+        <a:xfrm>
+          <a:off x="0" y="0"/>
+          <a:ext cx="0" cy="0"/>
+          <a:chOff x="0" y="0"/>
+          <a:chExt cx="0" cy="0"/>
+        </a:xfrm>
+      </p:grpSpPr>
+      <p:sp>
+        <p:nvSpPr>
+          <p:cNvPr id="2" name="Title 1">
+            <a:extLst>
+              <a:ext uri="{FF2B5EF4-FFF2-40B4-BE49-F238E27FC236}">
+                <a16:creationId xmlns:a16="http://schemas.microsoft.com/office/drawing/2014/main" id="{0BE611DA-A307-4216-99A5-88D1FBA6A23D}"/>
+              </a:ext>
+            </a:extLst>
+          </p:cNvPr>
+          <p:cNvSpPr>
+            <a:spLocks noGrp="1"/>
+          </p:cNvSpPr>
+          <p:nvPr>
+            <p:ph type="title"/>
+          </p:nvPr>
+        </p:nvSpPr>
+        <p:spPr/>
+        <p:txBody>
+          <a:bodyPr/>
+          <a:lstStyle/>
+          <a:p>
+            <a:r>
+              <a:rPr lang="en-US" dirty="0"/>
+              <a:t>Using this() as a constructor</a:t>
+            </a:r>
+          </a:p>
+        </p:txBody>
+      </p:sp>
+      <p:sp>
+        <p:nvSpPr>
+          <p:cNvPr id="3" name="Content Placeholder 2">
+            <a:extLst>
+              <a:ext uri="{FF2B5EF4-FFF2-40B4-BE49-F238E27FC236}">
+                <a16:creationId xmlns:a16="http://schemas.microsoft.com/office/drawing/2014/main" id="{740F8A60-5A3B-4F62-8593-44482D4D50EB}"/>
+              </a:ext>
+            </a:extLst>
+          </p:cNvPr>
+          <p:cNvSpPr>
+            <a:spLocks noGrp="1"/>
+          </p:cNvSpPr>
+          <p:nvPr>
+            <p:ph idx="1"/>
+          </p:nvPr>
+        </p:nvSpPr>
+        <p:spPr/>
+        <p:txBody>
+          <a:bodyPr/>
+          <a:lstStyle/>
+          <a:p>
+            <a:r>
+              <a:rPr lang="en-US" dirty="0"/>
+              <a:t>To invoke a constructor from another constructor of a class this() is used.</a:t>
+            </a:r>
+          </a:p>
+          <a:p>
+            <a:r>
+              <a:rPr lang="en-US" dirty="0"/>
+              <a:t>It must be the first line of the constructor body.</a:t>
+            </a:r>
+          </a:p>
+          <a:p>
+            <a:r>
+              <a:rPr lang="en-US" dirty="0"/>
+              <a:t>It can be also parameterized as: </a:t>
+            </a:r>
+            <a:r>
+              <a:rPr lang="en-US" b="1" dirty="0"/>
+              <a:t>this(10,20)</a:t>
+            </a:r>
+          </a:p>
+          <a:p>
+            <a:endParaRPr lang="en-US" dirty="0"/>
+          </a:p>
+        </p:txBody>
+      </p:sp>
+    </p:spTree>
+    <p:extLst>
+      <p:ext uri="{BB962C8B-B14F-4D97-AF65-F5344CB8AC3E}">
+        <p14:creationId xmlns:p14="http://schemas.microsoft.com/office/powerpoint/2010/main" val="1820572484"/>
+      </p:ext>
+    </p:extLst>
+  </p:cSld>
+  <p:clrMapOvr>
+    <a:masterClrMapping/>
+  </p:clrMapOvr>
+</p:sld>
+</file>
+
+<file path=ppt/slides/slide14.xml><?xml version="1.0" encoding="utf-8"?>
+<p:sld xmlns:a="http://schemas.openxmlformats.org/drawingml/2006/main" xmlns:r="http://schemas.openxmlformats.org/officeDocument/2006/relationships" xmlns:p="http://schemas.openxmlformats.org/presentationml/2006/main">
+  <p:cSld>
+    <p:spTree>
+      <p:nvGrpSpPr>
+        <p:cNvPr id="1" name=""/>
+        <p:cNvGrpSpPr/>
+        <p:nvPr/>
+      </p:nvGrpSpPr>
+      <p:grpSpPr>
+        <a:xfrm>
+          <a:off x="0" y="0"/>
+          <a:ext cx="0" cy="0"/>
+          <a:chOff x="0" y="0"/>
+          <a:chExt cx="0" cy="0"/>
+        </a:xfrm>
+      </p:grpSpPr>
+      <p:sp>
+        <p:nvSpPr>
+          <p:cNvPr id="2" name="Title 1">
+            <a:extLst>
+              <a:ext uri="{FF2B5EF4-FFF2-40B4-BE49-F238E27FC236}">
+                <a16:creationId xmlns:a16="http://schemas.microsoft.com/office/drawing/2014/main" id="{62E676AD-253E-4918-A013-731F81953C89}"/>
+              </a:ext>
+            </a:extLst>
+          </p:cNvPr>
+          <p:cNvSpPr>
+            <a:spLocks noGrp="1"/>
+          </p:cNvSpPr>
+          <p:nvPr>
+            <p:ph type="title"/>
+          </p:nvPr>
+        </p:nvSpPr>
+        <p:spPr/>
+        <p:txBody>
+          <a:bodyPr/>
+          <a:lstStyle/>
+          <a:p>
+            <a:r>
+              <a:rPr lang="en-US" dirty="0"/>
+              <a:t>Access modifiers</a:t>
+            </a:r>
+          </a:p>
+        </p:txBody>
+      </p:sp>
+      <p:sp>
+        <p:nvSpPr>
+          <p:cNvPr id="3" name="Content Placeholder 2">
+            <a:extLst>
+              <a:ext uri="{FF2B5EF4-FFF2-40B4-BE49-F238E27FC236}">
+                <a16:creationId xmlns:a16="http://schemas.microsoft.com/office/drawing/2014/main" id="{5FE1DFD9-ACAF-4AEB-B49E-27B4FD67530E}"/>
+              </a:ext>
+            </a:extLst>
+          </p:cNvPr>
+          <p:cNvSpPr>
+            <a:spLocks noGrp="1"/>
+          </p:cNvSpPr>
+          <p:nvPr>
+            <p:ph idx="1"/>
+          </p:nvPr>
+        </p:nvSpPr>
+        <p:spPr/>
+        <p:txBody>
+          <a:bodyPr/>
+          <a:lstStyle/>
+          <a:p>
+            <a:r>
+              <a:rPr lang="en-US" dirty="0"/>
+              <a:t>private: can be accessible only inside the class</a:t>
+            </a:r>
+          </a:p>
+          <a:p>
+            <a:r>
+              <a:rPr lang="en-US" dirty="0"/>
+              <a:t>public: accessible outside the class.</a:t>
+            </a:r>
+          </a:p>
+          <a:p>
+            <a:r>
+              <a:rPr lang="en-US" dirty="0"/>
+              <a:t>default (if we don’t write any modifier): accessible outside the class, within the same package</a:t>
+            </a:r>
+          </a:p>
+          <a:p>
+            <a:r>
+              <a:rPr lang="en-US" dirty="0"/>
+              <a:t>protected: will discuss during inheritance</a:t>
+            </a:r>
+          </a:p>
+        </p:txBody>
+      </p:sp>
+    </p:spTree>
+    <p:extLst>
+      <p:ext uri="{BB962C8B-B14F-4D97-AF65-F5344CB8AC3E}">
+        <p14:creationId xmlns:p14="http://schemas.microsoft.com/office/powerpoint/2010/main" val="1448579144"/>
+      </p:ext>
+    </p:extLst>
+  </p:cSld>
+  <p:clrMapOvr>
+    <a:masterClrMapping/>
+  </p:clrMapOvr>
+</p:sld>
+</file>
+
+<file path=ppt/slides/slide15.xml><?xml version="1.0" encoding="utf-8"?>
+<p:sld xmlns:a="http://schemas.openxmlformats.org/drawingml/2006/main" xmlns:r="http://schemas.openxmlformats.org/officeDocument/2006/relationships" xmlns:p="http://schemas.openxmlformats.org/presentationml/2006/main">
+  <p:cSld>
+    <p:spTree>
+      <p:nvGrpSpPr>
+        <p:cNvPr id="1" name=""/>
+        <p:cNvGrpSpPr/>
+        <p:nvPr/>
+      </p:nvGrpSpPr>
+      <p:grpSpPr>
+        <a:xfrm>
+          <a:off x="0" y="0"/>
+          <a:ext cx="0" cy="0"/>
+          <a:chOff x="0" y="0"/>
+          <a:chExt cx="0" cy="0"/>
+        </a:xfrm>
+      </p:grpSpPr>
+      <p:sp>
+        <p:nvSpPr>
+          <p:cNvPr id="2" name="Title 1">
+            <a:extLst>
+              <a:ext uri="{FF2B5EF4-FFF2-40B4-BE49-F238E27FC236}">
+                <a16:creationId xmlns:a16="http://schemas.microsoft.com/office/drawing/2014/main" id="{638E57D0-A1AD-4A1A-BF23-B2FA372A4618}"/>
+              </a:ext>
+            </a:extLst>
+          </p:cNvPr>
+          <p:cNvSpPr>
+            <a:spLocks noGrp="1"/>
+          </p:cNvSpPr>
+          <p:nvPr>
+            <p:ph type="title"/>
+          </p:nvPr>
+        </p:nvSpPr>
+        <p:spPr/>
+        <p:txBody>
+          <a:bodyPr/>
+          <a:lstStyle/>
+          <a:p>
+            <a:r>
+              <a:rPr lang="en-US" dirty="0"/>
+              <a:t>Using Access Modifiers Private With Getters &amp; Setters</a:t>
+            </a:r>
+          </a:p>
+        </p:txBody>
+      </p:sp>
+      <p:sp>
+        <p:nvSpPr>
+          <p:cNvPr id="3" name="Content Placeholder 2">
+            <a:extLst>
+              <a:ext uri="{FF2B5EF4-FFF2-40B4-BE49-F238E27FC236}">
+                <a16:creationId xmlns:a16="http://schemas.microsoft.com/office/drawing/2014/main" id="{C0EDC4FB-0669-470E-8EC3-2312362FACA5}"/>
+              </a:ext>
+            </a:extLst>
+          </p:cNvPr>
+          <p:cNvSpPr>
+            <a:spLocks noGrp="1"/>
+          </p:cNvSpPr>
+          <p:nvPr>
+            <p:ph idx="1"/>
+          </p:nvPr>
+        </p:nvSpPr>
+        <p:spPr/>
+        <p:txBody>
+          <a:bodyPr>
+            <a:normAutofit fontScale="92500" lnSpcReduction="20000"/>
+          </a:bodyPr>
+          <a:lstStyle/>
+          <a:p>
+            <a:r>
+              <a:rPr lang="en-US" dirty="0"/>
+              <a:t>class Product{</a:t>
+            </a:r>
+          </a:p>
+          <a:p>
+            <a:r>
+              <a:rPr lang="en-US" dirty="0"/>
+              <a:t>  private int id;</a:t>
+            </a:r>
+          </a:p>
+          <a:p>
+            <a:r>
+              <a:rPr lang="en-US" dirty="0"/>
+              <a:t>  public void </a:t>
+            </a:r>
+            <a:r>
+              <a:rPr lang="en-US" dirty="0" err="1"/>
+              <a:t>setId</a:t>
+            </a:r>
+            <a:r>
+              <a:rPr lang="en-US" dirty="0"/>
+              <a:t>(int id){</a:t>
+            </a:r>
+          </a:p>
+          <a:p>
+            <a:r>
+              <a:rPr lang="en-US" dirty="0"/>
+              <a:t>      this.id = id; </a:t>
+            </a:r>
+          </a:p>
+          <a:p>
+            <a:r>
+              <a:rPr lang="en-US" dirty="0"/>
+              <a:t>}</a:t>
+            </a:r>
+          </a:p>
+          <a:p>
+            <a:r>
+              <a:rPr lang="en-US" dirty="0"/>
+              <a:t> public int </a:t>
+            </a:r>
+            <a:r>
+              <a:rPr lang="en-US" dirty="0" err="1"/>
+              <a:t>getId</a:t>
+            </a:r>
+            <a:r>
+              <a:rPr lang="en-US" dirty="0"/>
+              <a:t>()</a:t>
+            </a:r>
+          </a:p>
+          <a:p>
+            <a:r>
+              <a:rPr lang="en-US" dirty="0"/>
+              <a:t>{</a:t>
+            </a:r>
+          </a:p>
+          <a:p>
+            <a:r>
+              <a:rPr lang="en-US" dirty="0"/>
+              <a:t>   return </a:t>
+            </a:r>
+            <a:r>
+              <a:rPr lang="en-US" dirty="0" err="1"/>
+              <a:t>this.getId</a:t>
+            </a:r>
+            <a:r>
+              <a:rPr lang="en-US" dirty="0"/>
+              <a:t>();</a:t>
+            </a:r>
+          </a:p>
+          <a:p>
+            <a:r>
+              <a:rPr lang="en-US" dirty="0"/>
+              <a:t>}</a:t>
+            </a:r>
+          </a:p>
+          <a:p>
+            <a:r>
+              <a:rPr lang="en-US" dirty="0"/>
+              <a:t>}</a:t>
+            </a:r>
+          </a:p>
+        </p:txBody>
+      </p:sp>
+    </p:spTree>
+    <p:extLst>
+      <p:ext uri="{BB962C8B-B14F-4D97-AF65-F5344CB8AC3E}">
+        <p14:creationId xmlns:p14="http://schemas.microsoft.com/office/powerpoint/2010/main" val="2697383639"/>
+      </p:ext>
+    </p:extLst>
+  </p:cSld>
+  <p:clrMapOvr>
+    <a:masterClrMapping/>
+  </p:clrMapOvr>
+</p:sld>
+</file>
+
+<file path=ppt/slides/slide16.xml><?xml version="1.0" encoding="utf-8"?>
+<p:sld xmlns:a="http://schemas.openxmlformats.org/drawingml/2006/main" xmlns:r="http://schemas.openxmlformats.org/officeDocument/2006/relationships" xmlns:p="http://schemas.openxmlformats.org/presentationml/2006/main">
+  <p:cSld>
+    <p:spTree>
+      <p:nvGrpSpPr>
+        <p:cNvPr id="1" name=""/>
+        <p:cNvGrpSpPr/>
+        <p:nvPr/>
+      </p:nvGrpSpPr>
+      <p:grpSpPr>
+        <a:xfrm>
+          <a:off x="0" y="0"/>
+          <a:ext cx="0" cy="0"/>
+          <a:chOff x="0" y="0"/>
+          <a:chExt cx="0" cy="0"/>
+        </a:xfrm>
+      </p:grpSpPr>
+      <p:sp>
+        <p:nvSpPr>
+          <p:cNvPr id="2" name="Title 1">
+            <a:extLst>
+              <a:ext uri="{FF2B5EF4-FFF2-40B4-BE49-F238E27FC236}">
+                <a16:creationId xmlns:a16="http://schemas.microsoft.com/office/drawing/2014/main" id="{8B28008F-A5C2-4181-8FC8-4EC8F2AD3BCB}"/>
+              </a:ext>
+            </a:extLst>
+          </p:cNvPr>
+          <p:cNvSpPr>
+            <a:spLocks noGrp="1"/>
+          </p:cNvSpPr>
+          <p:nvPr>
+            <p:ph type="title"/>
+          </p:nvPr>
+        </p:nvSpPr>
+        <p:spPr/>
+        <p:txBody>
+          <a:bodyPr/>
+          <a:lstStyle/>
+          <a:p>
+            <a:r>
+              <a:rPr lang="en-US" dirty="0"/>
+              <a:t>Tips</a:t>
+            </a:r>
+          </a:p>
+        </p:txBody>
+      </p:sp>
+      <p:sp>
+        <p:nvSpPr>
+          <p:cNvPr id="3" name="Content Placeholder 2">
+            <a:extLst>
+              <a:ext uri="{FF2B5EF4-FFF2-40B4-BE49-F238E27FC236}">
+                <a16:creationId xmlns:a16="http://schemas.microsoft.com/office/drawing/2014/main" id="{02DEBEE7-A2AA-43DB-BE1A-69ECC317E03A}"/>
+              </a:ext>
+            </a:extLst>
+          </p:cNvPr>
+          <p:cNvSpPr>
+            <a:spLocks noGrp="1"/>
+          </p:cNvSpPr>
+          <p:nvPr>
+            <p:ph idx="1"/>
+          </p:nvPr>
+        </p:nvSpPr>
+        <p:spPr/>
+        <p:txBody>
+          <a:bodyPr/>
+          <a:lstStyle/>
+          <a:p>
+            <a:r>
+              <a:rPr lang="en-US" dirty="0"/>
+              <a:t>After creating object with proper initialization logic using constructor, if you want to modify the state of the object later point of time, it is recommended to use setters of the field.</a:t>
+            </a:r>
+          </a:p>
+          <a:p>
+            <a:r>
+              <a:rPr lang="en-US" dirty="0"/>
+              <a:t>Don’t use public fields because you can’t apply your logic while setting values to such fields</a:t>
+            </a:r>
+          </a:p>
+        </p:txBody>
+      </p:sp>
+    </p:spTree>
+    <p:extLst>
+      <p:ext uri="{BB962C8B-B14F-4D97-AF65-F5344CB8AC3E}">
+        <p14:creationId xmlns:p14="http://schemas.microsoft.com/office/powerpoint/2010/main" val="2255558503"/>
+      </p:ext>
+    </p:extLst>
+  </p:cSld>
+  <p:clrMapOvr>
+    <a:masterClrMapping/>
+  </p:clrMapOvr>
+</p:sld>
+</file>
+
 <file path=ppt/slides/slide2.xml><?xml version="1.0" encoding="utf-8"?>
 <p:sld xmlns:a="http://schemas.openxmlformats.org/drawingml/2006/main" xmlns:r="http://schemas.openxmlformats.org/officeDocument/2006/relationships" xmlns:p="http://schemas.openxmlformats.org/presentationml/2006/main">
   <p:cSld>
